--- a/Presentationsmaterial/Dokument/1.4 Persistens med repository pattern.pptx
+++ b/Presentationsmaterial/Dokument/1.4 Persistens med repository pattern.pptx
@@ -232,7 +232,7 @@
             <a:fld id="{0B3BAAB0-D539-4A20-AE97-450346457396}" type="datetimeFigureOut">
               <a:rPr lang="sv-SE" smtClean="0"/>
               <a:pPr/>
-              <a:t>2013-11-16</a:t>
+              <a:t>2013-11-19</a:t>
             </a:fld>
             <a:endParaRPr lang="sv-SE"/>
           </a:p>
@@ -6574,7 +6574,7 @@
       </p:grpSpPr>
       <p:pic>
         <p:nvPicPr>
-          <p:cNvPr id="1026" name="Picture 2"/>
+          <p:cNvPr id="3" name="Picture 2"/>
           <p:cNvPicPr>
             <a:picLocks noChangeAspect="1" noChangeArrowheads="1"/>
           </p:cNvPicPr>
@@ -6595,8 +6595,8 @@
         </p:blipFill>
         <p:spPr bwMode="auto">
           <a:xfrm rot="780000">
-            <a:off x="4193762" y="419962"/>
-            <a:ext cx="5391429" cy="5731429"/>
+            <a:off x="4246181" y="383744"/>
+            <a:ext cx="5237619" cy="5731429"/>
           </a:xfrm>
           <a:prstGeom prst="rect">
             <a:avLst/>
@@ -6656,6 +6656,90 @@
       </p:pic>
       <p:sp>
         <p:nvSpPr>
+          <p:cNvPr id="5" name="Platshållare för innehåll 4"/>
+          <p:cNvSpPr>
+            <a:spLocks noGrp="1"/>
+          </p:cNvSpPr>
+          <p:nvPr>
+            <p:ph sz="half" idx="1"/>
+          </p:nvPr>
+        </p:nvSpPr>
+        <p:spPr/>
+        <p:txBody>
+          <a:bodyPr/>
+          <a:lstStyle/>
+          <a:p>
+            <a:r>
+              <a:rPr lang="sv-SE" sz="1800" dirty="0" smtClean="0"/>
+              <a:t>Klassen </a:t>
+            </a:r>
+            <a:r>
+              <a:rPr lang="sv-SE" sz="1600" dirty="0" smtClean="0">
+                <a:latin typeface="Courier New" pitchFamily="49" charset="0"/>
+                <a:cs typeface="Courier New" pitchFamily="49" charset="0"/>
+              </a:rPr>
+              <a:t>XmlRepository</a:t>
+            </a:r>
+            <a:r>
+              <a:rPr lang="sv-SE" sz="1800" dirty="0" smtClean="0"/>
+              <a:t> kapslar in all hantering av persistent data mot XML-filen.</a:t>
+            </a:r>
+          </a:p>
+          <a:p>
+            <a:r>
+              <a:rPr lang="sv-SE" sz="1800" dirty="0" smtClean="0"/>
+              <a:t>Via de publika metoderna </a:t>
+            </a:r>
+            <a:r>
+              <a:rPr lang="sv-SE" sz="1600" dirty="0" err="1" smtClean="0">
+                <a:latin typeface="Courier New" pitchFamily="49" charset="0"/>
+                <a:cs typeface="Courier New" pitchFamily="49" charset="0"/>
+              </a:rPr>
+              <a:t>GetBirthdays</a:t>
+            </a:r>
+            <a:r>
+              <a:rPr lang="sv-SE" sz="1600" dirty="0" smtClean="0"/>
+              <a:t>, </a:t>
+            </a:r>
+            <a:r>
+              <a:rPr lang="sv-SE" sz="1600" dirty="0" err="1" smtClean="0">
+                <a:latin typeface="Courier New" pitchFamily="49" charset="0"/>
+                <a:cs typeface="Courier New" pitchFamily="49" charset="0"/>
+              </a:rPr>
+              <a:t>InsertBirtday</a:t>
+            </a:r>
+            <a:r>
+              <a:rPr lang="sv-SE" sz="1800" dirty="0" smtClean="0"/>
+              <a:t> och </a:t>
+            </a:r>
+            <a:r>
+              <a:rPr lang="sv-SE" sz="1600" dirty="0" smtClean="0">
+                <a:latin typeface="Courier New" pitchFamily="49" charset="0"/>
+                <a:cs typeface="Courier New" pitchFamily="49" charset="0"/>
+              </a:rPr>
+              <a:t>Save</a:t>
+            </a:r>
+            <a:r>
+              <a:rPr lang="sv-SE" sz="1800" dirty="0" smtClean="0"/>
+              <a:t> kan en controller hämta, lägga till och spara </a:t>
+            </a:r>
+            <a:r>
+              <a:rPr lang="sv-SE" sz="1600" dirty="0" smtClean="0">
+                <a:latin typeface="Courier New" pitchFamily="49" charset="0"/>
+                <a:cs typeface="Courier New" pitchFamily="49" charset="0"/>
+              </a:rPr>
+              <a:t>Birthday</a:t>
+            </a:r>
+            <a:r>
+              <a:rPr lang="sv-SE" sz="1800" dirty="0" smtClean="0"/>
+              <a:t>-objekt.</a:t>
+            </a:r>
+            <a:endParaRPr lang="sv-SE" sz="1800" dirty="0"/>
+          </a:p>
+        </p:txBody>
+      </p:sp>
+      <p:sp>
+        <p:nvSpPr>
           <p:cNvPr id="2" name="Rubrik 1"/>
           <p:cNvSpPr>
             <a:spLocks noGrp="1"/>
@@ -6674,98 +6758,6 @@
               <a:t>”Repository”-klass</a:t>
             </a:r>
             <a:endParaRPr lang="sv-SE" dirty="0"/>
-          </a:p>
-        </p:txBody>
-      </p:sp>
-      <p:sp>
-        <p:nvSpPr>
-          <p:cNvPr id="5" name="Platshållare för innehåll 4"/>
-          <p:cNvSpPr>
-            <a:spLocks noGrp="1"/>
-          </p:cNvSpPr>
-          <p:nvPr>
-            <p:ph sz="half" idx="1"/>
-          </p:nvPr>
-        </p:nvSpPr>
-        <p:spPr/>
-        <p:txBody>
-          <a:bodyPr/>
-          <a:lstStyle/>
-          <a:p>
-            <a:r>
-              <a:rPr lang="sv-SE" sz="1800" dirty="0" smtClean="0"/>
-              <a:t>Klassen </a:t>
-            </a:r>
-            <a:r>
-              <a:rPr lang="sv-SE" sz="1600" dirty="0" smtClean="0">
-                <a:latin typeface="Courier New" pitchFamily="49" charset="0"/>
-                <a:cs typeface="Courier New" pitchFamily="49" charset="0"/>
-              </a:rPr>
-              <a:t>XmlRepository</a:t>
-            </a:r>
-            <a:r>
-              <a:rPr lang="sv-SE" sz="1800" dirty="0" smtClean="0"/>
-              <a:t> kapslar in all hantering av persistent data mot XML-filen.</a:t>
-            </a:r>
-          </a:p>
-          <a:p>
-            <a:r>
-              <a:rPr lang="sv-SE" sz="1800" dirty="0" smtClean="0"/>
-              <a:t>Via </a:t>
-            </a:r>
-            <a:r>
-              <a:rPr lang="sv-SE" sz="1800" dirty="0" smtClean="0"/>
-              <a:t>de </a:t>
-            </a:r>
-            <a:r>
-              <a:rPr lang="sv-SE" sz="1800" dirty="0" smtClean="0"/>
-              <a:t>publika metoderna </a:t>
-            </a:r>
-            <a:r>
-              <a:rPr lang="sv-SE" sz="1600" dirty="0" err="1" smtClean="0">
-                <a:latin typeface="Courier New" pitchFamily="49" charset="0"/>
-                <a:cs typeface="Courier New" pitchFamily="49" charset="0"/>
-              </a:rPr>
-              <a:t>Add</a:t>
-            </a:r>
-            <a:r>
-              <a:rPr lang="sv-SE" sz="1800" dirty="0" smtClean="0"/>
-              <a:t>, </a:t>
-            </a:r>
-            <a:r>
-              <a:rPr lang="sv-SE" sz="1800" dirty="0" err="1" smtClean="0">
-                <a:latin typeface="Courier New" pitchFamily="49" charset="0"/>
-                <a:cs typeface="Courier New" pitchFamily="49" charset="0"/>
-              </a:rPr>
-              <a:t>GetBirthdays</a:t>
-            </a:r>
-            <a:r>
-              <a:rPr lang="sv-SE" sz="1800" dirty="0"/>
-              <a:t> och </a:t>
-            </a:r>
-            <a:r>
-              <a:rPr lang="sv-SE" sz="1600" dirty="0" smtClean="0">
-                <a:latin typeface="Courier New" pitchFamily="49" charset="0"/>
-                <a:cs typeface="Courier New" pitchFamily="49" charset="0"/>
-              </a:rPr>
-              <a:t>Save</a:t>
-            </a:r>
-            <a:r>
-              <a:rPr lang="sv-SE" sz="1800" dirty="0" smtClean="0"/>
-              <a:t> kan en controller hämta, lägga till och spara </a:t>
-            </a:r>
-            <a:r>
-              <a:rPr lang="sv-SE" sz="1600" dirty="0" smtClean="0">
-                <a:latin typeface="Courier New" pitchFamily="49" charset="0"/>
-                <a:cs typeface="Courier New" pitchFamily="49" charset="0"/>
-              </a:rPr>
-              <a:t>Birthday</a:t>
-            </a:r>
-            <a:r>
-              <a:rPr lang="sv-SE" sz="1800" dirty="0" smtClean="0"/>
-              <a:t>-objekt.</a:t>
-            </a:r>
-            <a:endParaRPr lang="sv-SE" sz="1800" dirty="0"/>
           </a:p>
         </p:txBody>
       </p:sp>
@@ -6804,9 +6796,94 @@
           <a:chExt cx="0" cy="0"/>
         </a:xfrm>
       </p:grpSpPr>
+      <p:sp>
+        <p:nvSpPr>
+          <p:cNvPr id="5" name="Rubrik 4"/>
+          <p:cNvSpPr>
+            <a:spLocks noGrp="1"/>
+          </p:cNvSpPr>
+          <p:nvPr>
+            <p:ph type="title"/>
+          </p:nvPr>
+        </p:nvSpPr>
+        <p:spPr/>
+        <p:txBody>
+          <a:bodyPr/>
+          <a:lstStyle/>
+          <a:p>
+            <a:r>
+              <a:rPr lang="sv-SE" dirty="0" smtClean="0"/>
+              <a:t>Den nya controllern</a:t>
+            </a:r>
+            <a:endParaRPr lang="sv-SE" dirty="0"/>
+          </a:p>
+        </p:txBody>
+      </p:sp>
+      <p:sp>
+        <p:nvSpPr>
+          <p:cNvPr id="8" name="Platshållare för innehåll 7"/>
+          <p:cNvSpPr>
+            <a:spLocks noGrp="1"/>
+          </p:cNvSpPr>
+          <p:nvPr>
+            <p:ph sz="half" idx="1"/>
+          </p:nvPr>
+        </p:nvSpPr>
+        <p:spPr/>
+        <p:txBody>
+          <a:bodyPr/>
+          <a:lstStyle/>
+          <a:p>
+            <a:r>
+              <a:rPr lang="sv-SE" sz="1800" dirty="0" smtClean="0"/>
+              <a:t>Då all funktionalitet för hantering av persistent data är placerad i klassen </a:t>
+            </a:r>
+            <a:r>
+              <a:rPr lang="sv-SE" sz="1600" dirty="0" smtClean="0">
+                <a:latin typeface="Courier New" pitchFamily="49" charset="0"/>
+                <a:cs typeface="Courier New" pitchFamily="49" charset="0"/>
+              </a:rPr>
+              <a:t>XmlRepository</a:t>
+            </a:r>
+            <a:r>
+              <a:rPr lang="sv-SE" sz="1800" dirty="0" smtClean="0"/>
+              <a:t> behöver inte controllern längre ha någon kännedom om hur </a:t>
+            </a:r>
+            <a:r>
+              <a:rPr lang="sv-SE" sz="1600" dirty="0" smtClean="0">
+                <a:latin typeface="Courier New" pitchFamily="49" charset="0"/>
+                <a:cs typeface="Courier New" pitchFamily="49" charset="0"/>
+              </a:rPr>
+              <a:t>Birthday</a:t>
+            </a:r>
+            <a:r>
+              <a:rPr lang="sv-SE" sz="1800" dirty="0" smtClean="0"/>
+              <a:t>-objekten lagras.</a:t>
+            </a:r>
+          </a:p>
+          <a:p>
+            <a:r>
+              <a:rPr lang="sv-SE" sz="1800" dirty="0" smtClean="0"/>
+              <a:t>Det enda controllern behöver göra är att instansiera ett </a:t>
+            </a:r>
+            <a:r>
+              <a:rPr lang="sv-SE" sz="1600" dirty="0" smtClean="0">
+                <a:latin typeface="Courier New" pitchFamily="49" charset="0"/>
+                <a:cs typeface="Courier New" pitchFamily="49" charset="0"/>
+              </a:rPr>
+              <a:t>XmlRepository</a:t>
+            </a:r>
+            <a:r>
+              <a:rPr lang="sv-SE" sz="1800" dirty="0" smtClean="0"/>
+              <a:t>-objekt och använda de publika medlemmarna.</a:t>
+            </a:r>
+            <a:endParaRPr lang="sv-SE" sz="1800" dirty="0"/>
+          </a:p>
+        </p:txBody>
+      </p:sp>
       <p:pic>
         <p:nvPicPr>
-          <p:cNvPr id="2" name="Picture 2"/>
+          <p:cNvPr id="2050" name="Picture 2"/>
           <p:cNvPicPr>
             <a:picLocks noChangeAspect="1" noChangeArrowheads="1"/>
           </p:cNvPicPr>
@@ -6827,8 +6904,8 @@
         </p:blipFill>
         <p:spPr bwMode="auto">
           <a:xfrm rot="780000">
-            <a:off x="4475064" y="-108058"/>
-            <a:ext cx="4362450" cy="5676900"/>
+            <a:off x="4563349" y="-472968"/>
+            <a:ext cx="4362450" cy="6134100"/>
           </a:xfrm>
           <a:prstGeom prst="rect">
             <a:avLst/>
@@ -6865,94 +6942,27 @@
               <a:srgbClr val="FFFFFF"/>
             </a:contourClr>
           </a:sp3d>
-          <a:extLst/>
+          <a:extLst>
+            <a:ext uri="{909E8E84-426E-40DD-AFC4-6F175D3DCCD1}">
+              <a14:hiddenFill xmlns:a14="http://schemas.microsoft.com/office/drawing/2010/main">
+                <a:solidFill>
+                  <a:schemeClr val="accent1"/>
+                </a:solidFill>
+              </a14:hiddenFill>
+            </a:ext>
+            <a:ext uri="{91240B29-F687-4F45-9708-019B960494DF}">
+              <a14:hiddenLine xmlns:a14="http://schemas.microsoft.com/office/drawing/2010/main" w="9525">
+                <a:solidFill>
+                  <a:schemeClr val="tx1"/>
+                </a:solidFill>
+                <a:miter lim="800000"/>
+                <a:headEnd/>
+                <a:tailEnd/>
+              </a14:hiddenLine>
+            </a:ext>
+          </a:extLst>
         </p:spPr>
       </p:pic>
-      <p:sp>
-        <p:nvSpPr>
-          <p:cNvPr id="5" name="Rubrik 4"/>
-          <p:cNvSpPr>
-            <a:spLocks noGrp="1"/>
-          </p:cNvSpPr>
-          <p:nvPr>
-            <p:ph type="title"/>
-          </p:nvPr>
-        </p:nvSpPr>
-        <p:spPr/>
-        <p:txBody>
-          <a:bodyPr/>
-          <a:lstStyle/>
-          <a:p>
-            <a:r>
-              <a:rPr lang="sv-SE" dirty="0" smtClean="0"/>
-              <a:t>Den nya controllern</a:t>
-            </a:r>
-            <a:endParaRPr lang="sv-SE" dirty="0"/>
-          </a:p>
-        </p:txBody>
-      </p:sp>
-      <p:sp>
-        <p:nvSpPr>
-          <p:cNvPr id="8" name="Platshållare för innehåll 7"/>
-          <p:cNvSpPr>
-            <a:spLocks noGrp="1"/>
-          </p:cNvSpPr>
-          <p:nvPr>
-            <p:ph sz="half" idx="1"/>
-          </p:nvPr>
-        </p:nvSpPr>
-        <p:spPr/>
-        <p:txBody>
-          <a:bodyPr/>
-          <a:lstStyle/>
-          <a:p>
-            <a:r>
-              <a:rPr lang="sv-SE" sz="1800" dirty="0" smtClean="0"/>
-              <a:t>Då all funktionalitet för hantering av persistent data är placerad i klassen </a:t>
-            </a:r>
-            <a:r>
-              <a:rPr lang="sv-SE" sz="1600" dirty="0" smtClean="0">
-                <a:latin typeface="Courier New" pitchFamily="49" charset="0"/>
-                <a:cs typeface="Courier New" pitchFamily="49" charset="0"/>
-              </a:rPr>
-              <a:t>XmlRepository</a:t>
-            </a:r>
-            <a:r>
-              <a:rPr lang="sv-SE" sz="1800" dirty="0" smtClean="0"/>
-              <a:t> behöver inte controllern längre ha någon kännedom om hur </a:t>
-            </a:r>
-            <a:r>
-              <a:rPr lang="sv-SE" sz="1600" dirty="0" smtClean="0">
-                <a:latin typeface="Courier New" pitchFamily="49" charset="0"/>
-                <a:cs typeface="Courier New" pitchFamily="49" charset="0"/>
-              </a:rPr>
-              <a:t>Birthday</a:t>
-            </a:r>
-            <a:r>
-              <a:rPr lang="sv-SE" sz="1800" dirty="0" smtClean="0"/>
-              <a:t>-objekten lagras.</a:t>
-            </a:r>
-          </a:p>
-          <a:p>
-            <a:r>
-              <a:rPr lang="sv-SE" sz="1800" dirty="0" smtClean="0"/>
-              <a:t>Det enda controllern behöver göra är att instansiera ett </a:t>
-            </a:r>
-            <a:r>
-              <a:rPr lang="sv-SE" sz="1600" dirty="0" smtClean="0">
-                <a:latin typeface="Courier New" pitchFamily="49" charset="0"/>
-                <a:cs typeface="Courier New" pitchFamily="49" charset="0"/>
-              </a:rPr>
-              <a:t>XmlRepository</a:t>
-            </a:r>
-            <a:r>
-              <a:rPr lang="sv-SE" sz="1800" dirty="0" smtClean="0"/>
-              <a:t>-objekt och använda de publika medlemmarna.</a:t>
-            </a:r>
-            <a:endParaRPr lang="sv-SE" sz="1800" dirty="0"/>
-          </a:p>
-        </p:txBody>
-      </p:sp>
     </p:spTree>
   </p:cSld>
   <p:clrMapOvr>

--- a/Presentationsmaterial/Dokument/1.4 Persistens med repository pattern.pptx
+++ b/Presentationsmaterial/Dokument/1.4 Persistens med repository pattern.pptx
@@ -146,6 +146,22 @@
       </a:defRPr>
     </a:lvl9pPr>
   </p:defaultTextStyle>
+  <p:extLst>
+    <p:ext uri="{EFAFB233-063F-42B5-8137-9DF3F51BA10A}">
+      <p15:sldGuideLst xmlns:p15="http://schemas.microsoft.com/office/powerpoint/2012/main">
+        <p15:guide id="1" orient="horz">
+          <p15:clr>
+            <a:srgbClr val="A4A3A4"/>
+          </p15:clr>
+        </p15:guide>
+        <p15:guide id="2">
+          <p15:clr>
+            <a:srgbClr val="A4A3A4"/>
+          </p15:clr>
+        </p15:guide>
+      </p15:sldGuideLst>
+    </p:ext>
+  </p:extLst>
 </p:presentation>
 </file>
 
@@ -232,7 +248,7 @@
             <a:fld id="{0B3BAAB0-D539-4A20-AE97-450346457396}" type="datetimeFigureOut">
               <a:rPr lang="sv-SE" smtClean="0"/>
               <a:pPr/>
-              <a:t>2013-11-19</a:t>
+              <a:t>2014-11-10</a:t>
             </a:fld>
             <a:endParaRPr lang="sv-SE"/>
           </a:p>
@@ -945,65 +961,6 @@
           </a:fontRef>
         </p:style>
       </p:cxnSp>
-      <p:sp>
-        <p:nvSpPr>
-          <p:cNvPr id="12" name="Rectangle 6"/>
-          <p:cNvSpPr>
-            <a:spLocks noChangeArrowheads="1"/>
-          </p:cNvSpPr>
-          <p:nvPr userDrawn="1"/>
-        </p:nvSpPr>
-        <p:spPr bwMode="auto">
-          <a:xfrm>
-            <a:off x="0" y="1"/>
-            <a:ext cx="4191000" cy="340735"/>
-          </a:xfrm>
-          <a:prstGeom prst="rect">
-            <a:avLst/>
-          </a:prstGeom>
-          <a:noFill/>
-          <a:ln w="9525">
-            <a:noFill/>
-            <a:miter lim="800000"/>
-            <a:headEnd/>
-            <a:tailEnd/>
-          </a:ln>
-          <a:effectLst/>
-        </p:spPr>
-        <p:txBody>
-          <a:bodyPr tIns="46800" bIns="46800">
-            <a:spAutoFit/>
-          </a:bodyPr>
-          <a:lstStyle/>
-          <a:p>
-            <a:pPr eaLnBrk="0" hangingPunct="0">
-              <a:defRPr/>
-            </a:pPr>
-            <a:r>
-              <a:rPr lang="sv-SE" sz="800" dirty="0" smtClean="0">
-                <a:solidFill>
-                  <a:schemeClr val="tx1"/>
-                </a:solidFill>
-                <a:latin typeface="Times New Roman" pitchFamily="18" charset="0"/>
-                <a:cs typeface="Times New Roman" pitchFamily="18" charset="0"/>
-              </a:rPr>
-              <a:t>1DV409 – ASP.NET MVC</a:t>
-            </a:r>
-          </a:p>
-          <a:p>
-            <a:pPr eaLnBrk="0" hangingPunct="0">
-              <a:defRPr/>
-            </a:pPr>
-            <a:endParaRPr lang="sv-SE" sz="800" dirty="0">
-              <a:solidFill>
-                <a:schemeClr val="tx1"/>
-              </a:solidFill>
-              <a:latin typeface="Times New Roman" pitchFamily="18" charset="0"/>
-              <a:cs typeface="Times New Roman" pitchFamily="18" charset="0"/>
-            </a:endParaRPr>
-          </a:p>
-        </p:txBody>
-      </p:sp>
     </p:spTree>
   </p:cSld>
   <p:clrMapOvr>
@@ -3114,91 +3071,6 @@
               <a:rPr lang="sv-SE" dirty="0" smtClean="0"/>
               <a:t>Nivå fem</a:t>
             </a:r>
-          </a:p>
-        </p:txBody>
-      </p:sp>
-      <p:sp>
-        <p:nvSpPr>
-          <p:cNvPr id="243716" name="Rectangle 4"/>
-          <p:cNvSpPr>
-            <a:spLocks noChangeArrowheads="1"/>
-          </p:cNvSpPr>
-          <p:nvPr/>
-        </p:nvSpPr>
-        <p:spPr bwMode="auto">
-          <a:xfrm>
-            <a:off x="7619560" y="5512764"/>
-            <a:ext cx="1524440" cy="202236"/>
-          </a:xfrm>
-          <a:prstGeom prst="rect">
-            <a:avLst/>
-          </a:prstGeom>
-          <a:noFill/>
-          <a:ln w="9525">
-            <a:noFill/>
-            <a:miter lim="800000"/>
-            <a:headEnd/>
-            <a:tailEnd/>
-          </a:ln>
-          <a:effectLst/>
-        </p:spPr>
-        <p:txBody>
-          <a:bodyPr wrap="square" tIns="46800" rIns="90000" bIns="46800" anchor="b">
-            <a:spAutoFit/>
-          </a:bodyPr>
-          <a:lstStyle/>
-          <a:p>
-            <a:pPr algn="r" eaLnBrk="0" hangingPunct="0">
-              <a:defRPr/>
-            </a:pPr>
-            <a:fld id="{379C2104-876B-42DE-A891-A8777FA058E8}" type="slidenum">
-              <a:rPr lang="en-US" sz="700">
-                <a:solidFill>
-                  <a:schemeClr val="bg1">
-                    <a:lumMod val="75000"/>
-                  </a:schemeClr>
-                </a:solidFill>
-                <a:latin typeface="Times New Roman" pitchFamily="18" charset="0"/>
-                <a:cs typeface="Times New Roman" pitchFamily="18" charset="0"/>
-              </a:rPr>
-              <a:pPr algn="r" eaLnBrk="0" hangingPunct="0">
-                <a:defRPr/>
-              </a:pPr>
-              <a:t>‹#›</a:t>
-            </a:fld>
-            <a:r>
-              <a:rPr lang="en-US" sz="700" dirty="0">
-                <a:solidFill>
-                  <a:schemeClr val="bg1">
-                    <a:lumMod val="75000"/>
-                  </a:schemeClr>
-                </a:solidFill>
-                <a:latin typeface="Times New Roman" pitchFamily="18" charset="0"/>
-                <a:cs typeface="Times New Roman" pitchFamily="18" charset="0"/>
-              </a:rPr>
-              <a:t> </a:t>
-            </a:r>
-            <a:r>
-              <a:rPr lang="en-US" sz="700" dirty="0" smtClean="0">
-                <a:solidFill>
-                  <a:schemeClr val="bg1">
-                    <a:lumMod val="75000"/>
-                  </a:schemeClr>
-                </a:solidFill>
-                <a:latin typeface="Times New Roman" pitchFamily="18" charset="0"/>
-                <a:cs typeface="Times New Roman" pitchFamily="18" charset="0"/>
-              </a:rPr>
-              <a:t>(10)</a:t>
-            </a:r>
-            <a:endParaRPr lang="en-US" sz="700" dirty="0">
-              <a:solidFill>
-                <a:schemeClr val="bg1">
-                  <a:lumMod val="75000"/>
-                </a:schemeClr>
-              </a:solidFill>
-              <a:latin typeface="Times New Roman" pitchFamily="18" charset="0"/>
-              <a:cs typeface="Times New Roman" pitchFamily="18" charset="0"/>
-            </a:endParaRPr>
           </a:p>
         </p:txBody>
       </p:sp>
@@ -4541,29 +4413,22 @@
       </p:sp>
       <p:pic>
         <p:nvPicPr>
-          <p:cNvPr id="4" name="Picture 2"/>
+          <p:cNvPr id="5" name="Bildobjekt 4"/>
           <p:cNvPicPr>
-            <a:picLocks noChangeAspect="1" noChangeArrowheads="1"/>
+            <a:picLocks noChangeAspect="1"/>
           </p:cNvPicPr>
           <p:nvPr/>
         </p:nvPicPr>
         <p:blipFill>
-          <a:blip r:embed="rId3">
-            <a:extLst>
-              <a:ext uri="{28A0092B-C50C-407E-A947-70E740481C1C}">
-                <a14:useLocalDpi xmlns:a14="http://schemas.microsoft.com/office/drawing/2010/main" val="0"/>
-              </a:ext>
-            </a:extLst>
-          </a:blip>
-          <a:srcRect/>
+          <a:blip r:embed="rId3"/>
           <a:stretch>
             <a:fillRect/>
           </a:stretch>
         </p:blipFill>
-        <p:spPr bwMode="auto">
+        <p:spPr>
           <a:xfrm rot="600000">
-            <a:off x="4172294" y="2810961"/>
-            <a:ext cx="4314825" cy="1876425"/>
+            <a:off x="3915642" y="2739630"/>
+            <a:ext cx="5348571" cy="1912381"/>
           </a:xfrm>
           <a:prstGeom prst="rect">
             <a:avLst/>
@@ -4600,7 +4465,6 @@
               <a:srgbClr val="969696"/>
             </a:contourClr>
           </a:sp3d>
-          <a:extLst/>
         </p:spPr>
       </p:pic>
     </p:spTree>
@@ -4680,29 +4544,22 @@
       </p:pic>
       <p:pic>
         <p:nvPicPr>
-          <p:cNvPr id="3074" name="Picture 2"/>
+          <p:cNvPr id="7" name="Bildobjekt 6"/>
           <p:cNvPicPr>
-            <a:picLocks noChangeAspect="1" noChangeArrowheads="1"/>
+            <a:picLocks noChangeAspect="1"/>
           </p:cNvPicPr>
           <p:nvPr/>
         </p:nvPicPr>
         <p:blipFill>
-          <a:blip r:embed="rId3">
-            <a:extLst>
-              <a:ext uri="{28A0092B-C50C-407E-A947-70E740481C1C}">
-                <a14:useLocalDpi xmlns:a14="http://schemas.microsoft.com/office/drawing/2010/main" val="0"/>
-              </a:ext>
-            </a:extLst>
-          </a:blip>
-          <a:srcRect/>
+          <a:blip r:embed="rId3"/>
           <a:stretch>
             <a:fillRect/>
           </a:stretch>
         </p:blipFill>
-        <p:spPr bwMode="auto">
+        <p:spPr>
           <a:xfrm>
-            <a:off x="1622159" y="2059592"/>
-            <a:ext cx="5705475" cy="2324100"/>
+            <a:off x="1622159" y="2059883"/>
+            <a:ext cx="5371429" cy="2323809"/>
           </a:xfrm>
           <a:prstGeom prst="rect">
             <a:avLst/>
@@ -4739,7 +4596,6 @@
               <a:srgbClr val="969696"/>
             </a:contourClr>
           </a:sp3d>
-          <a:extLst/>
         </p:spPr>
       </p:pic>
       <p:sp>
@@ -4884,77 +4740,24 @@
           </a:scene3d>
         </p:spPr>
       </p:pic>
-      <p:sp>
-        <p:nvSpPr>
-          <p:cNvPr id="2" name="Rubrik 1"/>
-          <p:cNvSpPr>
-            <a:spLocks noGrp="1"/>
-          </p:cNvSpPr>
-          <p:nvPr>
-            <p:ph type="title"/>
-          </p:nvPr>
-        </p:nvSpPr>
-        <p:spPr/>
-        <p:txBody>
-          <a:bodyPr/>
-          <a:lstStyle/>
-          <a:p>
-            <a:r>
-              <a:rPr lang="sv-SE" dirty="0" smtClean="0"/>
-              <a:t>Hur skriva data till en XML-fil?</a:t>
-            </a:r>
-            <a:endParaRPr lang="sv-SE" dirty="0"/>
-          </a:p>
-        </p:txBody>
-      </p:sp>
-      <p:sp>
-        <p:nvSpPr>
-          <p:cNvPr id="3" name="Platshållare för innehåll 2"/>
-          <p:cNvSpPr>
-            <a:spLocks noGrp="1"/>
-          </p:cNvSpPr>
-          <p:nvPr>
-            <p:ph idx="1"/>
-          </p:nvPr>
-        </p:nvSpPr>
-        <p:spPr/>
-        <p:txBody>
-          <a:bodyPr/>
-          <a:lstStyle/>
-          <a:p>
-            <a:r>
-              <a:rPr lang="sv-SE" dirty="0" smtClean="0"/>
-              <a:t>För att lägga till en ny nod i XML-trädet laddas hela XML-filen, en ny nod skapas som läggs till rotnoden och XML-trädet sparas.</a:t>
-            </a:r>
-            <a:endParaRPr lang="sv-SE" dirty="0"/>
-          </a:p>
-        </p:txBody>
-      </p:sp>
       <p:pic>
         <p:nvPicPr>
-          <p:cNvPr id="2050" name="Picture 2"/>
+          <p:cNvPr id="6" name="Bildobjekt 5"/>
           <p:cNvPicPr>
-            <a:picLocks noChangeAspect="1" noChangeArrowheads="1"/>
+            <a:picLocks noChangeAspect="1"/>
           </p:cNvPicPr>
           <p:nvPr/>
         </p:nvPicPr>
         <p:blipFill>
-          <a:blip r:embed="rId3">
-            <a:extLst>
-              <a:ext uri="{28A0092B-C50C-407E-A947-70E740481C1C}">
-                <a14:useLocalDpi xmlns:a14="http://schemas.microsoft.com/office/drawing/2010/main" val="0"/>
-              </a:ext>
-            </a:extLst>
-          </a:blip>
-          <a:srcRect/>
+          <a:blip r:embed="rId3"/>
           <a:stretch>
             <a:fillRect/>
           </a:stretch>
         </p:blipFill>
-        <p:spPr bwMode="auto">
+        <p:spPr>
           <a:xfrm rot="20940000">
-            <a:off x="2315761" y="1306043"/>
-            <a:ext cx="4648200" cy="3695700"/>
+            <a:off x="2291047" y="1279755"/>
+            <a:ext cx="4561905" cy="3695238"/>
           </a:xfrm>
           <a:prstGeom prst="rect">
             <a:avLst/>
@@ -4991,9 +4794,54 @@
               <a:srgbClr val="FFFFFF"/>
             </a:contourClr>
           </a:sp3d>
-          <a:extLst/>
         </p:spPr>
       </p:pic>
+      <p:sp>
+        <p:nvSpPr>
+          <p:cNvPr id="2" name="Rubrik 1"/>
+          <p:cNvSpPr>
+            <a:spLocks noGrp="1"/>
+          </p:cNvSpPr>
+          <p:nvPr>
+            <p:ph type="title"/>
+          </p:nvPr>
+        </p:nvSpPr>
+        <p:spPr/>
+        <p:txBody>
+          <a:bodyPr/>
+          <a:lstStyle/>
+          <a:p>
+            <a:r>
+              <a:rPr lang="sv-SE" dirty="0" smtClean="0"/>
+              <a:t>Hur skriva data till en XML-fil?</a:t>
+            </a:r>
+            <a:endParaRPr lang="sv-SE" dirty="0"/>
+          </a:p>
+        </p:txBody>
+      </p:sp>
+      <p:sp>
+        <p:nvSpPr>
+          <p:cNvPr id="3" name="Platshållare för innehåll 2"/>
+          <p:cNvSpPr>
+            <a:spLocks noGrp="1"/>
+          </p:cNvSpPr>
+          <p:nvPr>
+            <p:ph idx="1"/>
+          </p:nvPr>
+        </p:nvSpPr>
+        <p:spPr/>
+        <p:txBody>
+          <a:bodyPr/>
+          <a:lstStyle/>
+          <a:p>
+            <a:r>
+              <a:rPr lang="sv-SE" dirty="0" smtClean="0"/>
+              <a:t>För att lägga till en ny nod i XML-trädet laddas hela XML-filen, en ny nod skapas som läggs till rotnoden och XML-trädet sparas.</a:t>
+            </a:r>
+            <a:endParaRPr lang="sv-SE" dirty="0"/>
+          </a:p>
+        </p:txBody>
+      </p:sp>
     </p:spTree>
   </p:cSld>
   <p:clrMapOvr>
@@ -6574,29 +6422,22 @@
       </p:grpSpPr>
       <p:pic>
         <p:nvPicPr>
-          <p:cNvPr id="3" name="Picture 2"/>
+          <p:cNvPr id="4" name="Bildobjekt 3"/>
           <p:cNvPicPr>
-            <a:picLocks noChangeAspect="1" noChangeArrowheads="1"/>
+            <a:picLocks noChangeAspect="1"/>
           </p:cNvPicPr>
           <p:nvPr/>
         </p:nvPicPr>
         <p:blipFill>
-          <a:blip r:embed="rId2">
-            <a:extLst>
-              <a:ext uri="{28A0092B-C50C-407E-A947-70E740481C1C}">
-                <a14:useLocalDpi xmlns:a14="http://schemas.microsoft.com/office/drawing/2010/main" val="0"/>
-              </a:ext>
-            </a:extLst>
-          </a:blip>
-          <a:srcRect/>
+          <a:blip r:embed="rId2"/>
           <a:stretch>
             <a:fillRect/>
           </a:stretch>
         </p:blipFill>
-        <p:spPr bwMode="auto">
+        <p:spPr>
           <a:xfrm rot="780000">
-            <a:off x="4246181" y="383744"/>
-            <a:ext cx="5237619" cy="5731429"/>
+            <a:off x="4325095" y="-111192"/>
+            <a:ext cx="4792381" cy="5990476"/>
           </a:xfrm>
           <a:prstGeom prst="rect">
             <a:avLst/>
@@ -6633,25 +6474,6 @@
               <a:srgbClr val="FFFFFF"/>
             </a:contourClr>
           </a:sp3d>
-          <a:extLst>
-            <a:ext uri="{909E8E84-426E-40DD-AFC4-6F175D3DCCD1}">
-              <a14:hiddenFill xmlns:a14="http://schemas.microsoft.com/office/drawing/2010/main">
-                <a:solidFill>
-                  <a:schemeClr val="accent1"/>
-                </a:solidFill>
-              </a14:hiddenFill>
-            </a:ext>
-            <a:ext uri="{91240B29-F687-4F45-9708-019B960494DF}">
-              <a14:hiddenLine xmlns:a14="http://schemas.microsoft.com/office/drawing/2010/main" w="9525">
-                <a:solidFill>
-                  <a:schemeClr val="tx1"/>
-                </a:solidFill>
-                <a:miter lim="800000"/>
-                <a:headEnd/>
-                <a:tailEnd/>
-              </a14:hiddenLine>
-            </a:ext>
-          </a:extLst>
         </p:spPr>
       </p:pic>
       <p:sp>
@@ -6883,29 +6705,22 @@
       </p:sp>
       <p:pic>
         <p:nvPicPr>
-          <p:cNvPr id="2050" name="Picture 2"/>
+          <p:cNvPr id="2" name="Bildobjekt 1"/>
           <p:cNvPicPr>
-            <a:picLocks noChangeAspect="1" noChangeArrowheads="1"/>
+            <a:picLocks noChangeAspect="1"/>
           </p:cNvPicPr>
           <p:nvPr/>
         </p:nvPicPr>
         <p:blipFill>
-          <a:blip r:embed="rId2">
-            <a:extLst>
-              <a:ext uri="{28A0092B-C50C-407E-A947-70E740481C1C}">
-                <a14:useLocalDpi xmlns:a14="http://schemas.microsoft.com/office/drawing/2010/main" val="0"/>
-              </a:ext>
-            </a:extLst>
-          </a:blip>
-          <a:srcRect/>
+          <a:blip r:embed="rId2"/>
           <a:stretch>
             <a:fillRect/>
           </a:stretch>
         </p:blipFill>
-        <p:spPr bwMode="auto">
+        <p:spPr>
           <a:xfrm rot="780000">
-            <a:off x="4563349" y="-472968"/>
-            <a:ext cx="4362450" cy="6134100"/>
+            <a:off x="4653957" y="-586348"/>
+            <a:ext cx="3828571" cy="6133333"/>
           </a:xfrm>
           <a:prstGeom prst="rect">
             <a:avLst/>
@@ -6942,25 +6757,6 @@
               <a:srgbClr val="FFFFFF"/>
             </a:contourClr>
           </a:sp3d>
-          <a:extLst>
-            <a:ext uri="{909E8E84-426E-40DD-AFC4-6F175D3DCCD1}">
-              <a14:hiddenFill xmlns:a14="http://schemas.microsoft.com/office/drawing/2010/main">
-                <a:solidFill>
-                  <a:schemeClr val="accent1"/>
-                </a:solidFill>
-              </a14:hiddenFill>
-            </a:ext>
-            <a:ext uri="{91240B29-F687-4F45-9708-019B960494DF}">
-              <a14:hiddenLine xmlns:a14="http://schemas.microsoft.com/office/drawing/2010/main" w="9525">
-                <a:solidFill>
-                  <a:schemeClr val="tx1"/>
-                </a:solidFill>
-                <a:miter lim="800000"/>
-                <a:headEnd/>
-                <a:tailEnd/>
-              </a14:hiddenLine>
-            </a:ext>
-          </a:extLst>
         </p:spPr>
       </p:pic>
     </p:spTree>
